--- a/src/pages/events/2024-03-15/slides/00-index.pptx
+++ b/src/pages/events/2024-03-15/slides/00-index.pptx
@@ -5,13 +5,12 @@
     <p:sldMasterId id="2147483648" r:id="rId1"/>
   </p:sldMasterIdLst>
   <p:notesMasterIdLst>
-    <p:notesMasterId r:id="rId6"/>
+    <p:notesMasterId r:id="rId5"/>
   </p:notesMasterIdLst>
   <p:sldIdLst>
     <p:sldId id="256" r:id="rId2"/>
     <p:sldId id="367" r:id="rId3"/>
-    <p:sldId id="368" r:id="rId4"/>
-    <p:sldId id="365" r:id="rId5"/>
+    <p:sldId id="365" r:id="rId4"/>
   </p:sldIdLst>
   <p:sldSz cx="12192000" cy="6858000"/>
   <p:notesSz cx="6858000" cy="9144000"/>
@@ -610,7 +609,7 @@
           <a:p>
             <a:fld id="{6D2A0333-042B-6B44-A752-FAF2BCB7C72B}" type="datetimeFigureOut">
               <a:rPr kumimoji="1" lang="ja-JP" altLang="en-US" smtClean="0"/>
-              <a:t>2024/3/2</a:t>
+              <a:t>2024/3/14</a:t>
             </a:fld>
             <a:endParaRPr kumimoji="1" lang="ja-JP" altLang="en-US"/>
           </a:p>
@@ -975,7 +974,7 @@
             <a:fld id="{FD842DED-4B9B-4568-AC85-B50FA0785511}" type="slidenum">
               <a:rPr kumimoji="1" lang="ja-JP" altLang="en-US" smtClean="0"/>
               <a:pPr/>
-              <a:t>4</a:t>
+              <a:t>3</a:t>
             </a:fld>
             <a:endParaRPr kumimoji="1" lang="ja-JP" altLang="en-US"/>
           </a:p>
@@ -5602,244 +5601,6 @@
       </p:grpSpPr>
       <p:sp>
         <p:nvSpPr>
-          <p:cNvPr id="2" name="タイトル 1">
-            <a:extLst>
-              <a:ext uri="{FF2B5EF4-FFF2-40B4-BE49-F238E27FC236}">
-                <a16:creationId xmlns:a16="http://schemas.microsoft.com/office/drawing/2014/main" id="{4E9A549F-E446-02D8-7EBD-F9AB5A1588D8}"/>
-              </a:ext>
-            </a:extLst>
-          </p:cNvPr>
-          <p:cNvSpPr>
-            <a:spLocks noGrp="1"/>
-          </p:cNvSpPr>
-          <p:nvPr>
-            <p:ph type="title"/>
-          </p:nvPr>
-        </p:nvSpPr>
-        <p:spPr/>
-        <p:txBody>
-          <a:bodyPr/>
-          <a:lstStyle/>
-          <a:p>
-            <a:r>
-              <a:rPr kumimoji="1" lang="en-US" altLang="ja-JP" dirty="0" err="1"/>
-              <a:t>utelecon</a:t>
-            </a:r>
-            <a:r>
-              <a:rPr kumimoji="1" lang="ja-JP" altLang="en-US" dirty="0"/>
-              <a:t>について</a:t>
-            </a:r>
-          </a:p>
-        </p:txBody>
-      </p:sp>
-      <p:sp>
-        <p:nvSpPr>
-          <p:cNvPr id="3" name="コンテンツ プレースホルダー 2">
-            <a:extLst>
-              <a:ext uri="{FF2B5EF4-FFF2-40B4-BE49-F238E27FC236}">
-                <a16:creationId xmlns:a16="http://schemas.microsoft.com/office/drawing/2014/main" id="{62B45991-25E2-3107-C54D-FA76D01530A1}"/>
-              </a:ext>
-            </a:extLst>
-          </p:cNvPr>
-          <p:cNvSpPr>
-            <a:spLocks noGrp="1"/>
-          </p:cNvSpPr>
-          <p:nvPr>
-            <p:ph idx="1"/>
-          </p:nvPr>
-        </p:nvSpPr>
-        <p:spPr/>
-        <p:txBody>
-          <a:bodyPr/>
-          <a:lstStyle/>
-          <a:p>
-            <a:r>
-              <a:rPr kumimoji="1" lang="ja-JP" altLang="en-US" dirty="0"/>
-              <a:t>東京大学の</a:t>
-            </a:r>
-            <a:r>
-              <a:rPr kumimoji="1" lang="en-US" altLang="ja-JP" dirty="0"/>
-              <a:t>IT</a:t>
-            </a:r>
-            <a:r>
-              <a:rPr kumimoji="1" lang="ja-JP" altLang="en-US" dirty="0"/>
-              <a:t>をわかりやすく説明、サポートすることを目指しています</a:t>
-            </a:r>
-            <a:endParaRPr kumimoji="1" lang="en-US" altLang="ja-JP" dirty="0"/>
-          </a:p>
-          <a:p>
-            <a:r>
-              <a:rPr lang="ja-JP" altLang="en-US" dirty="0"/>
-              <a:t>教職員と学生が日々活躍しています</a:t>
-            </a:r>
-            <a:endParaRPr lang="en-US" altLang="ja-JP" dirty="0"/>
-          </a:p>
-          <a:p>
-            <a:r>
-              <a:rPr kumimoji="1" lang="en-US" altLang="ja-JP" dirty="0" err="1"/>
-              <a:t>utelecon</a:t>
-            </a:r>
-            <a:r>
-              <a:rPr kumimoji="1" lang="ja-JP" altLang="en-US" dirty="0">
-                <a:hlinkClick r:id="rId2"/>
-              </a:rPr>
-              <a:t>紹介</a:t>
-            </a:r>
-            <a:r>
-              <a:rPr kumimoji="1" lang="ja-JP" altLang="en-US" dirty="0"/>
-              <a:t>と</a:t>
-            </a:r>
-            <a:r>
-              <a:rPr kumimoji="1" lang="ja-JP" altLang="en-US" dirty="0">
-                <a:hlinkClick r:id="rId3"/>
-              </a:rPr>
-              <a:t>活動理念・目的</a:t>
-            </a:r>
-            <a:r>
-              <a:rPr kumimoji="1" lang="ja-JP" altLang="en-US" dirty="0"/>
-              <a:t>もご覧ください</a:t>
-            </a:r>
-          </a:p>
-        </p:txBody>
-      </p:sp>
-      <p:sp>
-        <p:nvSpPr>
-          <p:cNvPr id="4" name="日付プレースホルダー 3">
-            <a:extLst>
-              <a:ext uri="{FF2B5EF4-FFF2-40B4-BE49-F238E27FC236}">
-                <a16:creationId xmlns:a16="http://schemas.microsoft.com/office/drawing/2014/main" id="{8E3EAE6A-8A32-B0A7-CA37-E30440F47BFE}"/>
-              </a:ext>
-            </a:extLst>
-          </p:cNvPr>
-          <p:cNvSpPr>
-            <a:spLocks noGrp="1"/>
-          </p:cNvSpPr>
-          <p:nvPr>
-            <p:ph type="dt" sz="half" idx="10"/>
-          </p:nvPr>
-        </p:nvSpPr>
-        <p:spPr/>
-        <p:txBody>
-          <a:bodyPr/>
-          <a:lstStyle/>
-          <a:p>
-            <a:r>
-              <a:rPr kumimoji="1" lang="en-US" altLang="ja-JP"/>
-              <a:t>2024/3/11</a:t>
-            </a:r>
-            <a:endParaRPr kumimoji="1" lang="ja-JP" altLang="en-US"/>
-          </a:p>
-        </p:txBody>
-      </p:sp>
-      <p:sp>
-        <p:nvSpPr>
-          <p:cNvPr id="5" name="フッター プレースホルダー 4">
-            <a:extLst>
-              <a:ext uri="{FF2B5EF4-FFF2-40B4-BE49-F238E27FC236}">
-                <a16:creationId xmlns:a16="http://schemas.microsoft.com/office/drawing/2014/main" id="{58CCDB0F-0E90-F3BC-3C66-0E74725E1323}"/>
-              </a:ext>
-            </a:extLst>
-          </p:cNvPr>
-          <p:cNvSpPr>
-            <a:spLocks noGrp="1"/>
-          </p:cNvSpPr>
-          <p:nvPr>
-            <p:ph type="ftr" sz="quarter" idx="11"/>
-          </p:nvPr>
-        </p:nvSpPr>
-        <p:spPr/>
-        <p:txBody>
-          <a:bodyPr/>
-          <a:lstStyle/>
-          <a:p>
-            <a:r>
-              <a:rPr kumimoji="1" lang="en-US" altLang="ja-JP"/>
-              <a:t>2024</a:t>
-            </a:r>
-            <a:r>
-              <a:rPr kumimoji="1" lang="ja-JP" altLang="en-US"/>
-              <a:t>年</a:t>
-            </a:r>
-            <a:r>
-              <a:rPr kumimoji="1" lang="en-US" altLang="ja-JP"/>
-              <a:t>S</a:t>
-            </a:r>
-            <a:r>
-              <a:rPr kumimoji="1" lang="ja-JP" altLang="en-US"/>
-              <a:t>セメスター </a:t>
-            </a:r>
-            <a:r>
-              <a:rPr kumimoji="1" lang="en-US" altLang="ja-JP"/>
-              <a:t>utelecon</a:t>
-            </a:r>
-            <a:r>
-              <a:rPr kumimoji="1" lang="ja-JP" altLang="en-US"/>
-              <a:t>説明会</a:t>
-            </a:r>
-          </a:p>
-        </p:txBody>
-      </p:sp>
-      <p:sp>
-        <p:nvSpPr>
-          <p:cNvPr id="6" name="スライド番号プレースホルダー 5">
-            <a:extLst>
-              <a:ext uri="{FF2B5EF4-FFF2-40B4-BE49-F238E27FC236}">
-                <a16:creationId xmlns:a16="http://schemas.microsoft.com/office/drawing/2014/main" id="{98B56E64-A7C1-AD0F-6FD9-6721DE422471}"/>
-              </a:ext>
-            </a:extLst>
-          </p:cNvPr>
-          <p:cNvSpPr>
-            <a:spLocks noGrp="1"/>
-          </p:cNvSpPr>
-          <p:nvPr>
-            <p:ph type="sldNum" sz="quarter" idx="12"/>
-          </p:nvPr>
-        </p:nvSpPr>
-        <p:spPr/>
-        <p:txBody>
-          <a:bodyPr/>
-          <a:lstStyle/>
-          <a:p>
-            <a:fld id="{55E32C41-2E12-F042-B05A-CBC2BA75F68F}" type="slidenum">
-              <a:rPr kumimoji="1" lang="ja-JP" altLang="en-US" smtClean="0"/>
-              <a:t>3</a:t>
-            </a:fld>
-            <a:endParaRPr kumimoji="1" lang="ja-JP" altLang="en-US"/>
-          </a:p>
-        </p:txBody>
-      </p:sp>
-    </p:spTree>
-    <p:extLst>
-      <p:ext uri="{BB962C8B-B14F-4D97-AF65-F5344CB8AC3E}">
-        <p14:creationId xmlns:p14="http://schemas.microsoft.com/office/powerpoint/2010/main" val="3469837650"/>
-      </p:ext>
-    </p:extLst>
-  </p:cSld>
-  <p:clrMapOvr>
-    <a:masterClrMapping/>
-  </p:clrMapOvr>
-</p:sld>
-</file>
-
-<file path=ppt/slides/slide4.xml><?xml version="1.0" encoding="utf-8"?>
-<p:sld xmlns:a="http://schemas.openxmlformats.org/drawingml/2006/main" xmlns:r="http://schemas.openxmlformats.org/officeDocument/2006/relationships" xmlns:p="http://schemas.openxmlformats.org/presentationml/2006/main">
-  <p:cSld>
-    <p:spTree>
-      <p:nvGrpSpPr>
-        <p:cNvPr id="1" name=""/>
-        <p:cNvGrpSpPr/>
-        <p:nvPr/>
-      </p:nvGrpSpPr>
-      <p:grpSpPr>
-        <a:xfrm>
-          <a:off x="0" y="0"/>
-          <a:ext cx="0" cy="0"/>
-          <a:chOff x="0" y="0"/>
-          <a:chExt cx="0" cy="0"/>
-        </a:xfrm>
-      </p:grpSpPr>
-      <p:sp>
-        <p:nvSpPr>
           <p:cNvPr id="2" name="タイトル 1"/>
           <p:cNvSpPr>
             <a:spLocks noGrp="1"/>
@@ -5893,24 +5654,16 @@
               <a:t>1.</a:t>
             </a:r>
             <a:r>
-              <a:rPr lang="ja-JP" altLang="en-US" dirty="0"/>
-              <a:t> </a:t>
-            </a:r>
-            <a:r>
-              <a:rPr lang="en-US" altLang="ja-JP" dirty="0"/>
-              <a:t>UTokyo Account</a:t>
-            </a:r>
-            <a:r>
-              <a:rPr lang="ja-JP" altLang="en-US" dirty="0"/>
-              <a:t>に関する</a:t>
-            </a:r>
-            <a:r>
-              <a:rPr lang="en-US" altLang="ja-JP" dirty="0"/>
-              <a:t>update</a:t>
+              <a:rPr lang="ja-JP" altLang="en-US"/>
+              <a:t> アップデート全般、多要素認証</a:t>
+            </a:r>
+            <a:r>
+              <a:rPr lang="ja-JP" altLang="en-US" sz="2200"/>
+              <a:t>（</a:t>
             </a:r>
             <a:r>
               <a:rPr lang="ja-JP" altLang="en-US" sz="2200" dirty="0"/>
-              <a:t>（田浦）</a:t>
+              <a:t>田浦）</a:t>
             </a:r>
             <a:endParaRPr lang="en-US" altLang="ja-JP" dirty="0"/>
           </a:p>
@@ -6178,7 +5931,7 @@
             <a:fld id="{EDF77D8D-9987-453A-9A05-EB91CA595C68}" type="slidenum">
               <a:rPr kumimoji="1" lang="ja-JP" altLang="en-US" smtClean="0"/>
               <a:pPr/>
-              <a:t>4</a:t>
+              <a:t>3</a:t>
             </a:fld>
             <a:endParaRPr kumimoji="1" lang="ja-JP" altLang="en-US"/>
           </a:p>

--- a/src/pages/events/2024-03-15/slides/00-index.pptx
+++ b/src/pages/events/2024-03-15/slides/00-index.pptx
@@ -5645,7 +5645,7 @@
         </p:spPr>
         <p:txBody>
           <a:bodyPr>
-            <a:normAutofit fontScale="77500" lnSpcReduction="20000"/>
+            <a:normAutofit fontScale="70000" lnSpcReduction="20000"/>
           </a:bodyPr>
           <a:lstStyle/>
           <a:p>
@@ -5654,16 +5654,94 @@
               <a:t>1.</a:t>
             </a:r>
             <a:r>
-              <a:rPr lang="ja-JP" altLang="en-US"/>
-              <a:t> アップデート全般、多要素認証</a:t>
-            </a:r>
-            <a:r>
-              <a:rPr lang="ja-JP" altLang="en-US" sz="2200"/>
+              <a:rPr lang="ja-JP" altLang="en-US" dirty="0"/>
+              <a:t> アップデート全般、セキュリティ</a:t>
+            </a:r>
+            <a:r>
+              <a:rPr lang="ja-JP" altLang="en-US" sz="2200" dirty="0"/>
+              <a:t>（田浦 </a:t>
+            </a:r>
+            <a:r>
+              <a:rPr lang="en-US" altLang="ja-JP" sz="2400" dirty="0"/>
+              <a:t>40</a:t>
+            </a:r>
+            <a:r>
+              <a:rPr lang="ja-JP" altLang="en-US" sz="2400" dirty="0"/>
+              <a:t>分</a:t>
+            </a:r>
+            <a:r>
+              <a:rPr lang="ja-JP" altLang="en-US" sz="2200" dirty="0"/>
+              <a:t>）</a:t>
+            </a:r>
+            <a:endParaRPr lang="en-US" altLang="ja-JP" dirty="0"/>
+          </a:p>
+          <a:p>
+            <a:pPr lvl="1"/>
+            <a:r>
+              <a:rPr lang="en-US" altLang="ja-JP" dirty="0"/>
+              <a:t>IT</a:t>
+            </a:r>
+            <a:r>
+              <a:rPr lang="ja-JP" altLang="en-US" dirty="0"/>
+              <a:t>サービスの最近の更新情報</a:t>
+            </a:r>
+            <a:endParaRPr lang="en-US" altLang="ja-JP" dirty="0"/>
+          </a:p>
+          <a:p>
+            <a:pPr lvl="1"/>
+            <a:r>
+              <a:rPr lang="ja-JP" altLang="en-US" dirty="0"/>
+              <a:t>セキュリティ、特に多要素認証の必須化</a:t>
+            </a:r>
+            <a:endParaRPr lang="en-US" altLang="ja-JP" sz="1600" dirty="0"/>
+          </a:p>
+          <a:p>
+            <a:r>
+              <a:rPr lang="en-US" altLang="ja-JP" dirty="0"/>
+              <a:t>2.</a:t>
+            </a:r>
+            <a:r>
+              <a:rPr lang="ja-JP" altLang="en-US" dirty="0"/>
+              <a:t>代表的なクラウドサービス</a:t>
+            </a:r>
+            <a:r>
+              <a:rPr lang="ja-JP" altLang="en-US" sz="2000" dirty="0"/>
+              <a:t>（竹内 </a:t>
+            </a:r>
+            <a:r>
+              <a:rPr lang="en-US" altLang="ja-JP" sz="2000" dirty="0"/>
+              <a:t>40</a:t>
+            </a:r>
+            <a:r>
+              <a:rPr lang="ja-JP" altLang="en-US" sz="2000" dirty="0"/>
+              <a:t>分）</a:t>
+            </a:r>
+            <a:endParaRPr lang="en-US" altLang="ja-JP" sz="2000" dirty="0"/>
+          </a:p>
+          <a:p>
+            <a:pPr lvl="1"/>
+            <a:r>
+              <a:rPr lang="en-US" altLang="ja-JP" dirty="0"/>
+              <a:t>Zoom</a:t>
+            </a:r>
+          </a:p>
+          <a:p>
+            <a:pPr lvl="1"/>
+            <a:r>
+              <a:rPr lang="en-US" altLang="ja-JP" dirty="0"/>
+              <a:t>Slack</a:t>
+            </a:r>
+            <a:r>
+              <a:rPr lang="ja-JP" altLang="en-US" dirty="0"/>
               <a:t>（</a:t>
             </a:r>
             <a:r>
-              <a:rPr lang="ja-JP" altLang="en-US" sz="2200" dirty="0"/>
-              <a:t>田浦）</a:t>
+              <a:rPr lang="en-US" altLang="ja-JP" dirty="0"/>
+              <a:t>UTokyo Slack</a:t>
+            </a:r>
+            <a:r>
+              <a:rPr lang="ja-JP" altLang="en-US" dirty="0"/>
+              <a:t>）</a:t>
             </a:r>
             <a:endParaRPr lang="en-US" altLang="ja-JP" dirty="0"/>
           </a:p>
@@ -5675,53 +5753,11 @@
             </a:r>
             <a:r>
               <a:rPr lang="ja-JP" altLang="en-US" dirty="0"/>
-              <a:t>の</a:t>
+              <a:t> </a:t>
             </a:r>
             <a:r>
               <a:rPr lang="en-US" altLang="ja-JP" dirty="0"/>
-              <a:t>UTokyo Account</a:t>
-            </a:r>
-            <a:r>
-              <a:rPr lang="ja-JP" altLang="en-US" dirty="0"/>
-              <a:t>による認証</a:t>
-            </a:r>
-            <a:endParaRPr lang="en-US" altLang="ja-JP" dirty="0"/>
-          </a:p>
-          <a:p>
-            <a:pPr lvl="1"/>
-            <a:r>
-              <a:rPr lang="ja-JP" altLang="en-US" dirty="0"/>
-              <a:t>多要素認証の必須化</a:t>
-            </a:r>
-            <a:endParaRPr lang="en-US" altLang="ja-JP" sz="1600" dirty="0"/>
-          </a:p>
-          <a:p>
-            <a:r>
-              <a:rPr lang="en-US" altLang="ja-JP" dirty="0"/>
-              <a:t>2.</a:t>
-            </a:r>
-            <a:r>
-              <a:rPr lang="ja-JP" altLang="en-US" dirty="0"/>
-              <a:t>代表的なクラウドサービス</a:t>
-            </a:r>
-            <a:r>
-              <a:rPr lang="ja-JP" altLang="en-US" sz="2000" dirty="0"/>
-              <a:t>（竹内）</a:t>
-            </a:r>
-            <a:endParaRPr lang="en-US" altLang="ja-JP" sz="2000" dirty="0"/>
-          </a:p>
-          <a:p>
-            <a:pPr lvl="1"/>
-            <a:r>
-              <a:rPr lang="en-US" altLang="ja-JP" dirty="0"/>
-              <a:t>Zoom</a:t>
-            </a:r>
-          </a:p>
-          <a:p>
-            <a:pPr lvl="1"/>
-            <a:r>
-              <a:rPr lang="en-US" altLang="ja-JP" dirty="0"/>
-              <a:t>Slack</a:t>
+              <a:t>Workspace</a:t>
             </a:r>
             <a:r>
               <a:rPr lang="ja-JP" altLang="en-US" dirty="0"/>
@@ -5729,34 +5765,6 @@
             </a:r>
             <a:r>
               <a:rPr lang="en-US" altLang="ja-JP" dirty="0"/>
-              <a:t>UTokyo Slack</a:t>
-            </a:r>
-            <a:r>
-              <a:rPr lang="ja-JP" altLang="en-US" dirty="0"/>
-              <a:t>）</a:t>
-            </a:r>
-            <a:endParaRPr lang="en-US" altLang="ja-JP" dirty="0"/>
-          </a:p>
-          <a:p>
-            <a:pPr lvl="1"/>
-            <a:r>
-              <a:rPr lang="en-US" altLang="ja-JP" dirty="0"/>
-              <a:t>Google</a:t>
-            </a:r>
-            <a:r>
-              <a:rPr lang="ja-JP" altLang="en-US" dirty="0"/>
-              <a:t> </a:t>
-            </a:r>
-            <a:r>
-              <a:rPr lang="en-US" altLang="ja-JP" dirty="0"/>
-              <a:t>Workspace</a:t>
-            </a:r>
-            <a:r>
-              <a:rPr lang="ja-JP" altLang="en-US" dirty="0"/>
-              <a:t>（</a:t>
-            </a:r>
-            <a:r>
-              <a:rPr lang="en-US" altLang="ja-JP" dirty="0"/>
               <a:t>ECCS</a:t>
             </a:r>
             <a:r>
@@ -5778,7 +5786,30 @@
               <a:t>3. </a:t>
             </a:r>
             <a:r>
+              <a:rPr lang="en-US" altLang="ja-JP" dirty="0" err="1"/>
+              <a:t>utelecon</a:t>
+            </a:r>
+            <a:r>
               <a:rPr lang="ja-JP" altLang="en-US" dirty="0"/>
+              <a:t>の紹介</a:t>
+            </a:r>
+            <a:r>
+              <a:rPr lang="ja-JP" altLang="en-US" sz="2000" dirty="0"/>
+              <a:t>（玉造 </a:t>
+            </a:r>
+            <a:r>
+              <a:rPr lang="en-US" altLang="ja-JP" sz="2000" dirty="0"/>
+              <a:t>5</a:t>
+            </a:r>
+            <a:r>
+              <a:rPr lang="ja-JP" altLang="en-US" sz="2000" dirty="0"/>
+              <a:t>分）</a:t>
+            </a:r>
+            <a:endParaRPr lang="en-US" altLang="ja-JP" sz="2000" dirty="0"/>
+          </a:p>
+          <a:p>
+            <a:r>
+              <a:rPr lang="ja-JP" altLang="en-US"/>
               <a:t>質問 </a:t>
             </a:r>
             <a:r>

--- a/src/pages/events/2024-03-15/slides/00-index.pptx
+++ b/src/pages/events/2024-03-15/slides/00-index.pptx
@@ -609,7 +609,7 @@
           <a:p>
             <a:fld id="{6D2A0333-042B-6B44-A752-FAF2BCB7C72B}" type="datetimeFigureOut">
               <a:rPr kumimoji="1" lang="ja-JP" altLang="en-US" smtClean="0"/>
-              <a:t>2024/3/14</a:t>
+              <a:t>2024/3/15</a:t>
             </a:fld>
             <a:endParaRPr kumimoji="1" lang="ja-JP" altLang="en-US"/>
           </a:p>
@@ -5659,11 +5659,11 @@
             </a:r>
             <a:r>
               <a:rPr lang="ja-JP" altLang="en-US" sz="2200" dirty="0"/>
-              <a:t>（田浦 </a:t>
-            </a:r>
-            <a:r>
-              <a:rPr lang="en-US" altLang="ja-JP" sz="2400" dirty="0"/>
-              <a:t>40</a:t>
+              <a:t>（田浦</a:t>
+            </a:r>
+            <a:r>
+              <a:rPr lang="en-US" altLang="ja-JP" sz="2200"/>
+              <a:t>50</a:t>
             </a:r>
             <a:r>
               <a:rPr lang="ja-JP" altLang="en-US" sz="2400" dirty="0"/>
@@ -5809,7 +5809,7 @@
           </a:p>
           <a:p>
             <a:r>
-              <a:rPr lang="ja-JP" altLang="en-US"/>
+              <a:rPr lang="ja-JP" altLang="en-US" dirty="0"/>
               <a:t>質問 </a:t>
             </a:r>
             <a:r>
